--- a/gannt_chart.pptx
+++ b/gannt_chart.pptx
@@ -4349,8 +4349,8 @@
         </p:nvSpPr>
         <p:spPr>
           <a:xfrm>
-            <a:off x="2059474" y="831740"/>
-            <a:ext cx="1678380" cy="957019"/>
+            <a:off x="2065209" y="1741859"/>
+            <a:ext cx="1889925" cy="957019"/>
           </a:xfrm>
           <a:prstGeom prst="rect">
             <a:avLst/>
@@ -4405,8 +4405,8 @@
         </p:nvSpPr>
         <p:spPr>
           <a:xfrm>
-            <a:off x="4535172" y="2745487"/>
-            <a:ext cx="1684938" cy="1104252"/>
+            <a:off x="3962208" y="2729377"/>
+            <a:ext cx="2893592" cy="867132"/>
           </a:xfrm>
           <a:prstGeom prst="rect">
             <a:avLst/>
@@ -4454,8 +4454,8 @@
         </p:nvSpPr>
         <p:spPr>
           <a:xfrm>
-            <a:off x="7524724" y="3651714"/>
-            <a:ext cx="1552408" cy="745672"/>
+            <a:off x="6869943" y="3651714"/>
+            <a:ext cx="2263467" cy="569074"/>
           </a:xfrm>
           <a:prstGeom prst="rect">
             <a:avLst/>
@@ -4503,8 +4503,8 @@
         </p:nvSpPr>
         <p:spPr>
           <a:xfrm>
-            <a:off x="2059473" y="2096829"/>
-            <a:ext cx="1684929" cy="677236"/>
+            <a:off x="2065210" y="1018015"/>
+            <a:ext cx="3247066" cy="677236"/>
           </a:xfrm>
           <a:prstGeom prst="rect">
             <a:avLst/>
@@ -4561,9 +4561,9 @@
           <p:nvPr/>
         </p:nvCxnSpPr>
         <p:spPr>
-          <a:xfrm flipV="1">
-            <a:off x="3744402" y="2406871"/>
-            <a:ext cx="4464177" cy="28576"/>
+          <a:xfrm>
+            <a:off x="5312276" y="1356633"/>
+            <a:ext cx="2661261" cy="0"/>
           </a:xfrm>
           <a:prstGeom prst="line">
             <a:avLst/>
@@ -4593,13 +4593,15 @@
               </a:ext>
             </a:extLst>
           </p:cNvPr>
-          <p:cNvCxnSpPr/>
+          <p:cNvCxnSpPr>
+            <a:cxnSpLocks/>
+          </p:cNvCxnSpPr>
           <p:nvPr/>
         </p:nvCxnSpPr>
         <p:spPr>
           <a:xfrm>
-            <a:off x="8208579" y="2421158"/>
-            <a:ext cx="0" cy="1230556"/>
+            <a:off x="7973537" y="1365820"/>
+            <a:ext cx="1336" cy="2295081"/>
           </a:xfrm>
           <a:prstGeom prst="straightConnector1">
             <a:avLst/>
@@ -4623,6 +4625,104 @@
           </a:fontRef>
         </p:style>
       </p:cxnSp>
+      <p:sp>
+        <p:nvSpPr>
+          <p:cNvPr id="43" name="Rectangle 42">
+            <a:extLst>
+              <a:ext uri="{FF2B5EF4-FFF2-40B4-BE49-F238E27FC236}">
+                <a16:creationId xmlns:a16="http://schemas.microsoft.com/office/drawing/2014/main" id="{E89D2624-93AA-FC43-AD0B-C37F5CFB86FD}"/>
+              </a:ext>
+            </a:extLst>
+          </p:cNvPr>
+          <p:cNvSpPr/>
+          <p:nvPr/>
+        </p:nvSpPr>
+        <p:spPr>
+          <a:xfrm>
+            <a:off x="6869943" y="4281969"/>
+            <a:ext cx="2270539" cy="573060"/>
+          </a:xfrm>
+          <a:prstGeom prst="rect">
+            <a:avLst/>
+          </a:prstGeom>
+        </p:spPr>
+        <p:style>
+          <a:lnRef idx="2">
+            <a:schemeClr val="accent1">
+              <a:shade val="50000"/>
+            </a:schemeClr>
+          </a:lnRef>
+          <a:fillRef idx="1">
+            <a:schemeClr val="accent1"/>
+          </a:fillRef>
+          <a:effectRef idx="0">
+            <a:schemeClr val="accent1"/>
+          </a:effectRef>
+          <a:fontRef idx="minor">
+            <a:schemeClr val="lt1"/>
+          </a:fontRef>
+        </p:style>
+        <p:txBody>
+          <a:bodyPr rtlCol="0" anchor="ctr"/>
+          <a:lstStyle/>
+          <a:p>
+            <a:pPr algn="ctr"/>
+            <a:r>
+              <a:rPr lang="en-US" sz="1400" dirty="0"/>
+              <a:t>Generate alternative molecules</a:t>
+            </a:r>
+          </a:p>
+        </p:txBody>
+      </p:sp>
+      <p:sp>
+        <p:nvSpPr>
+          <p:cNvPr id="44" name="Rectangle 43">
+            <a:extLst>
+              <a:ext uri="{FF2B5EF4-FFF2-40B4-BE49-F238E27FC236}">
+                <a16:creationId xmlns:a16="http://schemas.microsoft.com/office/drawing/2014/main" id="{976878AD-704B-184A-A82B-211BE4670E5B}"/>
+              </a:ext>
+            </a:extLst>
+          </p:cNvPr>
+          <p:cNvSpPr/>
+          <p:nvPr/>
+        </p:nvSpPr>
+        <p:spPr>
+          <a:xfrm>
+            <a:off x="9161153" y="4557969"/>
+            <a:ext cx="1146453" cy="569074"/>
+          </a:xfrm>
+          <a:prstGeom prst="rect">
+            <a:avLst/>
+          </a:prstGeom>
+        </p:spPr>
+        <p:style>
+          <a:lnRef idx="2">
+            <a:schemeClr val="accent1">
+              <a:shade val="50000"/>
+            </a:schemeClr>
+          </a:lnRef>
+          <a:fillRef idx="1">
+            <a:schemeClr val="accent1"/>
+          </a:fillRef>
+          <a:effectRef idx="0">
+            <a:schemeClr val="accent1"/>
+          </a:effectRef>
+          <a:fontRef idx="minor">
+            <a:schemeClr val="lt1"/>
+          </a:fontRef>
+        </p:style>
+        <p:txBody>
+          <a:bodyPr rtlCol="0" anchor="ctr"/>
+          <a:lstStyle/>
+          <a:p>
+            <a:pPr algn="ctr"/>
+            <a:r>
+              <a:rPr lang="en-US" sz="1400" dirty="0"/>
+              <a:t>Built-in Margin</a:t>
+            </a:r>
+          </a:p>
+        </p:txBody>
+      </p:sp>
     </p:spTree>
     <p:extLst>
       <p:ext uri="{BB962C8B-B14F-4D97-AF65-F5344CB8AC3E}">
